--- a/revised-ppts/Day 3 PPT.pptx
+++ b/revised-ppts/Day 3 PPT.pptx
@@ -249,114 +249,6 @@
 
 <file path=ppt/changesInfos/changesInfo1.xml><?xml version="1.0" encoding="utf-8"?>
 <pc:chgInfo xmlns:a="http://schemas.openxmlformats.org/drawingml/2006/main" xmlns:r="http://schemas.openxmlformats.org/officeDocument/2006/relationships" xmlns:ac="http://schemas.microsoft.com/office/drawing/2013/main/command" xmlns:pc="http://schemas.microsoft.com/office/powerpoint/2013/main/command">
-  <pc:docChgLst>
-    <pc:chgData name="Cynthia Enciso" userId="7915927f-c5cf-4e1f-876d-e79882ad52fa" providerId="ADAL" clId="{050B2F7C-1D34-4538-84B1-653504D0D7A7}"/>
-    <pc:docChg chg="undo custSel addSld delSld modSld">
-      <pc:chgData name="Cynthia Enciso" userId="7915927f-c5cf-4e1f-876d-e79882ad52fa" providerId="ADAL" clId="{050B2F7C-1D34-4538-84B1-653504D0D7A7}" dt="2021-05-26T21:58:26.961" v="69" actId="1076"/>
-      <pc:docMkLst>
-        <pc:docMk/>
-      </pc:docMkLst>
-      <pc:sldChg chg="addSp modSp mod">
-        <pc:chgData name="Cynthia Enciso" userId="7915927f-c5cf-4e1f-876d-e79882ad52fa" providerId="ADAL" clId="{050B2F7C-1D34-4538-84B1-653504D0D7A7}" dt="2021-05-26T19:40:11.924" v="43" actId="20577"/>
-        <pc:sldMkLst>
-          <pc:docMk/>
-          <pc:sldMk cId="3975998382" sldId="257"/>
-        </pc:sldMkLst>
-        <pc:spChg chg="add mod">
-          <ac:chgData name="Cynthia Enciso" userId="7915927f-c5cf-4e1f-876d-e79882ad52fa" providerId="ADAL" clId="{050B2F7C-1D34-4538-84B1-653504D0D7A7}" dt="2021-05-26T19:40:11.924" v="43" actId="20577"/>
-          <ac:spMkLst>
-            <pc:docMk/>
-            <pc:sldMk cId="3975998382" sldId="257"/>
-            <ac:spMk id="5" creationId="{4C8218DC-A7F8-4BAC-8467-66335FD1AC25}"/>
-          </ac:spMkLst>
-        </pc:spChg>
-      </pc:sldChg>
-      <pc:sldChg chg="modSp add del mod">
-        <pc:chgData name="Cynthia Enciso" userId="7915927f-c5cf-4e1f-876d-e79882ad52fa" providerId="ADAL" clId="{050B2F7C-1D34-4538-84B1-653504D0D7A7}" dt="2021-05-26T21:58:26.961" v="69" actId="1076"/>
-        <pc:sldMkLst>
-          <pc:docMk/>
-          <pc:sldMk cId="375702705" sldId="263"/>
-        </pc:sldMkLst>
-        <pc:spChg chg="mod">
-          <ac:chgData name="Cynthia Enciso" userId="7915927f-c5cf-4e1f-876d-e79882ad52fa" providerId="ADAL" clId="{050B2F7C-1D34-4538-84B1-653504D0D7A7}" dt="2021-05-26T20:23:36.394" v="66" actId="20577"/>
-          <ac:spMkLst>
-            <pc:docMk/>
-            <pc:sldMk cId="375702705" sldId="263"/>
-            <ac:spMk id="3" creationId="{7DC71418-CB55-4A74-9B27-7741EF970CF4}"/>
-          </ac:spMkLst>
-        </pc:spChg>
-        <pc:picChg chg="mod">
-          <ac:chgData name="Cynthia Enciso" userId="7915927f-c5cf-4e1f-876d-e79882ad52fa" providerId="ADAL" clId="{050B2F7C-1D34-4538-84B1-653504D0D7A7}" dt="2021-05-26T21:58:26.961" v="69" actId="1076"/>
-          <ac:picMkLst>
-            <pc:docMk/>
-            <pc:sldMk cId="375702705" sldId="263"/>
-            <ac:picMk id="1026" creationId="{08F600C9-1D5B-43CD-BF31-18AFC2FFFFA8}"/>
-          </ac:picMkLst>
-        </pc:picChg>
-      </pc:sldChg>
-      <pc:sldChg chg="addSp modSp mod">
-        <pc:chgData name="Cynthia Enciso" userId="7915927f-c5cf-4e1f-876d-e79882ad52fa" providerId="ADAL" clId="{050B2F7C-1D34-4538-84B1-653504D0D7A7}" dt="2021-05-26T19:40:04.685" v="37" actId="1076"/>
-        <pc:sldMkLst>
-          <pc:docMk/>
-          <pc:sldMk cId="3038671142" sldId="265"/>
-        </pc:sldMkLst>
-        <pc:spChg chg="add mod">
-          <ac:chgData name="Cynthia Enciso" userId="7915927f-c5cf-4e1f-876d-e79882ad52fa" providerId="ADAL" clId="{050B2F7C-1D34-4538-84B1-653504D0D7A7}" dt="2021-05-26T19:40:04.685" v="37" actId="1076"/>
-          <ac:spMkLst>
-            <pc:docMk/>
-            <pc:sldMk cId="3038671142" sldId="265"/>
-            <ac:spMk id="9" creationId="{0C1DEE1E-ABBC-47A2-991F-DA3A337BEA66}"/>
-          </ac:spMkLst>
-        </pc:spChg>
-      </pc:sldChg>
-      <pc:sldChg chg="modSp mod">
-        <pc:chgData name="Cynthia Enciso" userId="7915927f-c5cf-4e1f-876d-e79882ad52fa" providerId="ADAL" clId="{050B2F7C-1D34-4538-84B1-653504D0D7A7}" dt="2021-05-26T19:32:03.718" v="2" actId="27636"/>
-        <pc:sldMkLst>
-          <pc:docMk/>
-          <pc:sldMk cId="1287501265" sldId="266"/>
-        </pc:sldMkLst>
-        <pc:spChg chg="mod">
-          <ac:chgData name="Cynthia Enciso" userId="7915927f-c5cf-4e1f-876d-e79882ad52fa" providerId="ADAL" clId="{050B2F7C-1D34-4538-84B1-653504D0D7A7}" dt="2021-05-26T19:32:03.718" v="2" actId="27636"/>
-          <ac:spMkLst>
-            <pc:docMk/>
-            <pc:sldMk cId="1287501265" sldId="266"/>
-            <ac:spMk id="3" creationId="{1DFAE63A-01D3-44FF-B81E-DD258884043D}"/>
-          </ac:spMkLst>
-        </pc:spChg>
-      </pc:sldChg>
-      <pc:sldChg chg="add">
-        <pc:chgData name="Cynthia Enciso" userId="7915927f-c5cf-4e1f-876d-e79882ad52fa" providerId="ADAL" clId="{050B2F7C-1D34-4538-84B1-653504D0D7A7}" dt="2021-05-25T22:14:43.752" v="0"/>
-        <pc:sldMkLst>
-          <pc:docMk/>
-          <pc:sldMk cId="2395134128" sldId="267"/>
-        </pc:sldMkLst>
-      </pc:sldChg>
-    </pc:docChg>
-  </pc:docChgLst>
-  <pc:docChgLst>
-    <pc:chgData name="Cynthia Enciso" userId="7915927f-c5cf-4e1f-876d-e79882ad52fa" providerId="ADAL" clId="{1008688D-728F-4D4E-96FC-494AA8C951BD}"/>
-    <pc:docChg chg="custSel modSld">
-      <pc:chgData name="Cynthia Enciso" userId="7915927f-c5cf-4e1f-876d-e79882ad52fa" providerId="ADAL" clId="{1008688D-728F-4D4E-96FC-494AA8C951BD}" dt="2021-11-17T21:08:15.582" v="0" actId="478"/>
-      <pc:docMkLst>
-        <pc:docMk/>
-      </pc:docMkLst>
-      <pc:sldChg chg="delSp mod">
-        <pc:chgData name="Cynthia Enciso" userId="7915927f-c5cf-4e1f-876d-e79882ad52fa" providerId="ADAL" clId="{1008688D-728F-4D4E-96FC-494AA8C951BD}" dt="2021-11-17T21:08:15.582" v="0" actId="478"/>
-        <pc:sldMkLst>
-          <pc:docMk/>
-          <pc:sldMk cId="2393796262" sldId="256"/>
-        </pc:sldMkLst>
-        <pc:spChg chg="del">
-          <ac:chgData name="Cynthia Enciso" userId="7915927f-c5cf-4e1f-876d-e79882ad52fa" providerId="ADAL" clId="{1008688D-728F-4D4E-96FC-494AA8C951BD}" dt="2021-11-17T21:08:15.582" v="0" actId="478"/>
-          <ac:spMkLst>
-            <pc:docMk/>
-            <pc:sldMk cId="2393796262" sldId="256"/>
-            <ac:spMk id="3" creationId="{00000000-0000-0000-0000-000000000000}"/>
-          </ac:spMkLst>
-        </pc:spChg>
-      </pc:sldChg>
-    </pc:docChg>
-  </pc:docChgLst>
   <pc:docChgLst>
     <pc:chgData name="Cynthia Enciso" userId="7915927f-c5cf-4e1f-876d-e79882ad52fa" providerId="ADAL" clId="{41C795E4-CA38-4063-AC92-982750D05C7B}"/>
     <pc:docChg chg="undo custSel addSld modSld sldOrd">
@@ -2309,6 +2201,114 @@
       </pc:sldChg>
     </pc:docChg>
   </pc:docChgLst>
+  <pc:docChgLst>
+    <pc:chgData name="Cynthia Enciso" userId="7915927f-c5cf-4e1f-876d-e79882ad52fa" providerId="ADAL" clId="{1008688D-728F-4D4E-96FC-494AA8C951BD}"/>
+    <pc:docChg chg="custSel modSld">
+      <pc:chgData name="Cynthia Enciso" userId="7915927f-c5cf-4e1f-876d-e79882ad52fa" providerId="ADAL" clId="{1008688D-728F-4D4E-96FC-494AA8C951BD}" dt="2021-11-17T21:08:15.582" v="0" actId="478"/>
+      <pc:docMkLst>
+        <pc:docMk/>
+      </pc:docMkLst>
+      <pc:sldChg chg="delSp mod">
+        <pc:chgData name="Cynthia Enciso" userId="7915927f-c5cf-4e1f-876d-e79882ad52fa" providerId="ADAL" clId="{1008688D-728F-4D4E-96FC-494AA8C951BD}" dt="2021-11-17T21:08:15.582" v="0" actId="478"/>
+        <pc:sldMkLst>
+          <pc:docMk/>
+          <pc:sldMk cId="2393796262" sldId="256"/>
+        </pc:sldMkLst>
+        <pc:spChg chg="del">
+          <ac:chgData name="Cynthia Enciso" userId="7915927f-c5cf-4e1f-876d-e79882ad52fa" providerId="ADAL" clId="{1008688D-728F-4D4E-96FC-494AA8C951BD}" dt="2021-11-17T21:08:15.582" v="0" actId="478"/>
+          <ac:spMkLst>
+            <pc:docMk/>
+            <pc:sldMk cId="2393796262" sldId="256"/>
+            <ac:spMk id="3" creationId="{00000000-0000-0000-0000-000000000000}"/>
+          </ac:spMkLst>
+        </pc:spChg>
+      </pc:sldChg>
+    </pc:docChg>
+  </pc:docChgLst>
+  <pc:docChgLst>
+    <pc:chgData name="Cynthia Enciso" userId="7915927f-c5cf-4e1f-876d-e79882ad52fa" providerId="ADAL" clId="{050B2F7C-1D34-4538-84B1-653504D0D7A7}"/>
+    <pc:docChg chg="undo custSel addSld delSld modSld">
+      <pc:chgData name="Cynthia Enciso" userId="7915927f-c5cf-4e1f-876d-e79882ad52fa" providerId="ADAL" clId="{050B2F7C-1D34-4538-84B1-653504D0D7A7}" dt="2021-05-26T21:58:26.961" v="69" actId="1076"/>
+      <pc:docMkLst>
+        <pc:docMk/>
+      </pc:docMkLst>
+      <pc:sldChg chg="addSp modSp mod">
+        <pc:chgData name="Cynthia Enciso" userId="7915927f-c5cf-4e1f-876d-e79882ad52fa" providerId="ADAL" clId="{050B2F7C-1D34-4538-84B1-653504D0D7A7}" dt="2021-05-26T19:40:11.924" v="43" actId="20577"/>
+        <pc:sldMkLst>
+          <pc:docMk/>
+          <pc:sldMk cId="3975998382" sldId="257"/>
+        </pc:sldMkLst>
+        <pc:spChg chg="add mod">
+          <ac:chgData name="Cynthia Enciso" userId="7915927f-c5cf-4e1f-876d-e79882ad52fa" providerId="ADAL" clId="{050B2F7C-1D34-4538-84B1-653504D0D7A7}" dt="2021-05-26T19:40:11.924" v="43" actId="20577"/>
+          <ac:spMkLst>
+            <pc:docMk/>
+            <pc:sldMk cId="3975998382" sldId="257"/>
+            <ac:spMk id="5" creationId="{4C8218DC-A7F8-4BAC-8467-66335FD1AC25}"/>
+          </ac:spMkLst>
+        </pc:spChg>
+      </pc:sldChg>
+      <pc:sldChg chg="modSp add del mod">
+        <pc:chgData name="Cynthia Enciso" userId="7915927f-c5cf-4e1f-876d-e79882ad52fa" providerId="ADAL" clId="{050B2F7C-1D34-4538-84B1-653504D0D7A7}" dt="2021-05-26T21:58:26.961" v="69" actId="1076"/>
+        <pc:sldMkLst>
+          <pc:docMk/>
+          <pc:sldMk cId="375702705" sldId="263"/>
+        </pc:sldMkLst>
+        <pc:spChg chg="mod">
+          <ac:chgData name="Cynthia Enciso" userId="7915927f-c5cf-4e1f-876d-e79882ad52fa" providerId="ADAL" clId="{050B2F7C-1D34-4538-84B1-653504D0D7A7}" dt="2021-05-26T20:23:36.394" v="66" actId="20577"/>
+          <ac:spMkLst>
+            <pc:docMk/>
+            <pc:sldMk cId="375702705" sldId="263"/>
+            <ac:spMk id="3" creationId="{7DC71418-CB55-4A74-9B27-7741EF970CF4}"/>
+          </ac:spMkLst>
+        </pc:spChg>
+        <pc:picChg chg="mod">
+          <ac:chgData name="Cynthia Enciso" userId="7915927f-c5cf-4e1f-876d-e79882ad52fa" providerId="ADAL" clId="{050B2F7C-1D34-4538-84B1-653504D0D7A7}" dt="2021-05-26T21:58:26.961" v="69" actId="1076"/>
+          <ac:picMkLst>
+            <pc:docMk/>
+            <pc:sldMk cId="375702705" sldId="263"/>
+            <ac:picMk id="1026" creationId="{08F600C9-1D5B-43CD-BF31-18AFC2FFFFA8}"/>
+          </ac:picMkLst>
+        </pc:picChg>
+      </pc:sldChg>
+      <pc:sldChg chg="addSp modSp mod">
+        <pc:chgData name="Cynthia Enciso" userId="7915927f-c5cf-4e1f-876d-e79882ad52fa" providerId="ADAL" clId="{050B2F7C-1D34-4538-84B1-653504D0D7A7}" dt="2021-05-26T19:40:04.685" v="37" actId="1076"/>
+        <pc:sldMkLst>
+          <pc:docMk/>
+          <pc:sldMk cId="3038671142" sldId="265"/>
+        </pc:sldMkLst>
+        <pc:spChg chg="add mod">
+          <ac:chgData name="Cynthia Enciso" userId="7915927f-c5cf-4e1f-876d-e79882ad52fa" providerId="ADAL" clId="{050B2F7C-1D34-4538-84B1-653504D0D7A7}" dt="2021-05-26T19:40:04.685" v="37" actId="1076"/>
+          <ac:spMkLst>
+            <pc:docMk/>
+            <pc:sldMk cId="3038671142" sldId="265"/>
+            <ac:spMk id="9" creationId="{0C1DEE1E-ABBC-47A2-991F-DA3A337BEA66}"/>
+          </ac:spMkLst>
+        </pc:spChg>
+      </pc:sldChg>
+      <pc:sldChg chg="modSp mod">
+        <pc:chgData name="Cynthia Enciso" userId="7915927f-c5cf-4e1f-876d-e79882ad52fa" providerId="ADAL" clId="{050B2F7C-1D34-4538-84B1-653504D0D7A7}" dt="2021-05-26T19:32:03.718" v="2" actId="27636"/>
+        <pc:sldMkLst>
+          <pc:docMk/>
+          <pc:sldMk cId="1287501265" sldId="266"/>
+        </pc:sldMkLst>
+        <pc:spChg chg="mod">
+          <ac:chgData name="Cynthia Enciso" userId="7915927f-c5cf-4e1f-876d-e79882ad52fa" providerId="ADAL" clId="{050B2F7C-1D34-4538-84B1-653504D0D7A7}" dt="2021-05-26T19:32:03.718" v="2" actId="27636"/>
+          <ac:spMkLst>
+            <pc:docMk/>
+            <pc:sldMk cId="1287501265" sldId="266"/>
+            <ac:spMk id="3" creationId="{1DFAE63A-01D3-44FF-B81E-DD258884043D}"/>
+          </ac:spMkLst>
+        </pc:spChg>
+      </pc:sldChg>
+      <pc:sldChg chg="add">
+        <pc:chgData name="Cynthia Enciso" userId="7915927f-c5cf-4e1f-876d-e79882ad52fa" providerId="ADAL" clId="{050B2F7C-1D34-4538-84B1-653504D0D7A7}" dt="2021-05-25T22:14:43.752" v="0"/>
+        <pc:sldMkLst>
+          <pc:docMk/>
+          <pc:sldMk cId="2395134128" sldId="267"/>
+        </pc:sldMkLst>
+      </pc:sldChg>
+    </pc:docChg>
+  </pc:docChgLst>
 </pc:chgInfo>
 </file>
 
@@ -2393,7 +2393,7 @@
           </a:lstStyle>
           <a:p>
             <a:fld id="{CA869C63-99CE-7C40-A7E9-3930C61B23AB}" type="datetimeFigureOut">
-              <a:t>11/17/2021</a:t>
+              <a:t>12/22/2021</a:t>
             </a:fld>
             <a:endParaRPr lang="en-US" dirty="0"/>
           </a:p>
@@ -2558,7 +2558,7 @@
           <a:p>
             <a:fld id="{E3E59D94-626A-4CE8-9932-5221A04BF234}" type="datetimeFigureOut">
               <a:rPr lang="en-US" smtClean="0"/>
-              <a:t>11/17/2021</a:t>
+              <a:t>12/22/2021</a:t>
             </a:fld>
             <a:endParaRPr lang="en-US" dirty="0"/>
           </a:p>
@@ -40012,7 +40012,7 @@
           </p:nvPr>
         </p:nvPicPr>
         <p:blipFill>
-          <a:blip r:embed="rId3">
+          <a:blip r:embed="rId3" cstate="print">
             <a:extLst>
               <a:ext uri="{28A0092B-C50C-407E-A947-70E740481C1C}">
                 <a14:useLocalDpi xmlns:a14="http://schemas.microsoft.com/office/drawing/2010/main" val="0"/>
@@ -40127,7 +40127,7 @@
           <p:nvPr/>
         </p:nvPicPr>
         <p:blipFill>
-          <a:blip r:embed="rId4">
+          <a:blip r:embed="rId4" cstate="print">
             <a:extLst>
               <a:ext uri="{28A0092B-C50C-407E-A947-70E740481C1C}">
                 <a14:useLocalDpi xmlns:a14="http://schemas.microsoft.com/office/drawing/2010/main" val="0"/>
@@ -40209,7 +40209,7 @@
           <p:nvPr/>
         </p:nvPicPr>
         <p:blipFill>
-          <a:blip r:embed="rId3">
+          <a:blip r:embed="rId5" cstate="print">
             <a:extLst>
               <a:ext uri="{28A0092B-C50C-407E-A947-70E740481C1C}">
                 <a14:useLocalDpi xmlns:a14="http://schemas.microsoft.com/office/drawing/2010/main" val="0"/>
@@ -40309,7 +40309,7 @@
             <p:nvPr/>
           </p:nvPicPr>
           <p:blipFill>
-            <a:blip r:embed="rId5">
+            <a:blip r:embed="rId6" cstate="print">
               <a:extLst>
                 <a:ext uri="{28A0092B-C50C-407E-A947-70E740481C1C}">
                   <a14:useLocalDpi xmlns:a14="http://schemas.microsoft.com/office/drawing/2010/main" val="0"/>
@@ -40410,7 +40410,7 @@
             <p:nvPr/>
           </p:nvPicPr>
           <p:blipFill>
-            <a:blip r:embed="rId5">
+            <a:blip r:embed="rId7" cstate="print">
               <a:extLst>
                 <a:ext uri="{28A0092B-C50C-407E-A947-70E740481C1C}">
                   <a14:useLocalDpi xmlns:a14="http://schemas.microsoft.com/office/drawing/2010/main" val="0"/>
@@ -40447,7 +40447,7 @@
           <p:nvPr/>
         </p:nvPicPr>
         <p:blipFill>
-          <a:blip r:embed="rId6">
+          <a:blip r:embed="rId8" cstate="print">
             <a:extLst>
               <a:ext uri="{28A0092B-C50C-407E-A947-70E740481C1C}">
                 <a14:useLocalDpi xmlns:a14="http://schemas.microsoft.com/office/drawing/2010/main" val="0"/>
@@ -40483,7 +40483,7 @@
           <p:nvPr/>
         </p:nvPicPr>
         <p:blipFill>
-          <a:blip r:embed="rId6">
+          <a:blip r:embed="rId8" cstate="print">
             <a:extLst>
               <a:ext uri="{28A0092B-C50C-407E-A947-70E740481C1C}">
                 <a14:useLocalDpi xmlns:a14="http://schemas.microsoft.com/office/drawing/2010/main" val="0"/>
@@ -43578,7 +43578,7 @@
               <p:nvPr/>
             </p:nvPicPr>
             <p:blipFill>
-              <a:blip r:embed="rId3">
+              <a:blip r:embed="rId3" cstate="print">
                 <a:extLst>
                   <a:ext uri="{28A0092B-C50C-407E-A947-70E740481C1C}">
                     <a14:useLocalDpi xmlns:a14="http://schemas.microsoft.com/office/drawing/2010/main" val="0"/>
@@ -43614,7 +43614,7 @@
               <p:nvPr/>
             </p:nvPicPr>
             <p:blipFill>
-              <a:blip r:embed="rId4">
+              <a:blip r:embed="rId4" cstate="print">
                 <a:extLst>
                   <a:ext uri="{28A0092B-C50C-407E-A947-70E740481C1C}">
                     <a14:useLocalDpi xmlns:a14="http://schemas.microsoft.com/office/drawing/2010/main" val="0"/>
@@ -43650,7 +43650,7 @@
               <p:nvPr/>
             </p:nvPicPr>
             <p:blipFill>
-              <a:blip r:embed="rId5">
+              <a:blip r:embed="rId5" cstate="print">
                 <a:extLst>
                   <a:ext uri="{28A0092B-C50C-407E-A947-70E740481C1C}">
                     <a14:useLocalDpi xmlns:a14="http://schemas.microsoft.com/office/drawing/2010/main" val="0"/>
@@ -46762,7 +46762,7 @@
           <p:nvPr/>
         </p:nvPicPr>
         <p:blipFill>
-          <a:blip r:embed="rId3">
+          <a:blip r:embed="rId3" cstate="print">
             <a:extLst>
               <a:ext uri="{28A0092B-C50C-407E-A947-70E740481C1C}">
                 <a14:useLocalDpi xmlns:a14="http://schemas.microsoft.com/office/drawing/2010/main" val="0"/>
@@ -46798,7 +46798,7 @@
           <p:nvPr/>
         </p:nvPicPr>
         <p:blipFill>
-          <a:blip r:embed="rId4">
+          <a:blip r:embed="rId4" cstate="print">
             <a:extLst>
               <a:ext uri="{28A0092B-C50C-407E-A947-70E740481C1C}">
                 <a14:useLocalDpi xmlns:a14="http://schemas.microsoft.com/office/drawing/2010/main" val="0"/>
@@ -46834,7 +46834,7 @@
           <p:nvPr/>
         </p:nvPicPr>
         <p:blipFill>
-          <a:blip r:embed="rId5">
+          <a:blip r:embed="rId5" cstate="print">
             <a:extLst>
               <a:ext uri="{28A0092B-C50C-407E-A947-70E740481C1C}">
                 <a14:useLocalDpi xmlns:a14="http://schemas.microsoft.com/office/drawing/2010/main" val="0"/>
